--- a/thesis/evaporation/graphs/fitallNs.pptx
+++ b/thesis/evaporation/graphs/fitallNs.pptx
@@ -6,6 +6,7 @@
   </p:sldMasterIdLst>
   <p:sldIdLst>
     <p:sldId id="256" r:id="rId2"/>
+    <p:sldId id="257" r:id="rId3"/>
   </p:sldIdLst>
   <p:sldSz cx="12192000" cy="6858000"/>
   <p:notesSz cx="6858000" cy="9144000"/>
@@ -104,6 +105,11 @@
       </a:defRPr>
     </a:lvl9pPr>
   </p:defaultTextStyle>
+  <p:extLst>
+    <p:ext uri="{EFAFB233-063F-42B5-8137-9DF3F51BA10A}">
+      <p15:sldGuideLst xmlns:p15="http://schemas.microsoft.com/office/powerpoint/2012/main"/>
+    </p:ext>
+  </p:extLst>
 </p:presentation>
 </file>
 
@@ -254,7 +260,7 @@
           <a:p>
             <a:fld id="{ECA0A8ED-0D26-E041-96FA-13D92C995134}" type="datetimeFigureOut">
               <a:rPr lang="en-US" smtClean="0"/>
-              <a:t>7/16/18</a:t>
+              <a:t>12/2/18</a:t>
             </a:fld>
             <a:endParaRPr lang="en-US"/>
           </a:p>
@@ -452,7 +458,7 @@
           <a:p>
             <a:fld id="{ECA0A8ED-0D26-E041-96FA-13D92C995134}" type="datetimeFigureOut">
               <a:rPr lang="en-US" smtClean="0"/>
-              <a:t>7/16/18</a:t>
+              <a:t>12/2/18</a:t>
             </a:fld>
             <a:endParaRPr lang="en-US"/>
           </a:p>
@@ -660,7 +666,7 @@
           <a:p>
             <a:fld id="{ECA0A8ED-0D26-E041-96FA-13D92C995134}" type="datetimeFigureOut">
               <a:rPr lang="en-US" smtClean="0"/>
-              <a:t>7/16/18</a:t>
+              <a:t>12/2/18</a:t>
             </a:fld>
             <a:endParaRPr lang="en-US"/>
           </a:p>
@@ -858,7 +864,7 @@
           <a:p>
             <a:fld id="{ECA0A8ED-0D26-E041-96FA-13D92C995134}" type="datetimeFigureOut">
               <a:rPr lang="en-US" smtClean="0"/>
-              <a:t>7/16/18</a:t>
+              <a:t>12/2/18</a:t>
             </a:fld>
             <a:endParaRPr lang="en-US"/>
           </a:p>
@@ -1133,7 +1139,7 @@
           <a:p>
             <a:fld id="{ECA0A8ED-0D26-E041-96FA-13D92C995134}" type="datetimeFigureOut">
               <a:rPr lang="en-US" smtClean="0"/>
-              <a:t>7/16/18</a:t>
+              <a:t>12/2/18</a:t>
             </a:fld>
             <a:endParaRPr lang="en-US"/>
           </a:p>
@@ -1398,7 +1404,7 @@
           <a:p>
             <a:fld id="{ECA0A8ED-0D26-E041-96FA-13D92C995134}" type="datetimeFigureOut">
               <a:rPr lang="en-US" smtClean="0"/>
-              <a:t>7/16/18</a:t>
+              <a:t>12/2/18</a:t>
             </a:fld>
             <a:endParaRPr lang="en-US"/>
           </a:p>
@@ -1810,7 +1816,7 @@
           <a:p>
             <a:fld id="{ECA0A8ED-0D26-E041-96FA-13D92C995134}" type="datetimeFigureOut">
               <a:rPr lang="en-US" smtClean="0"/>
-              <a:t>7/16/18</a:t>
+              <a:t>12/2/18</a:t>
             </a:fld>
             <a:endParaRPr lang="en-US"/>
           </a:p>
@@ -1951,7 +1957,7 @@
           <a:p>
             <a:fld id="{ECA0A8ED-0D26-E041-96FA-13D92C995134}" type="datetimeFigureOut">
               <a:rPr lang="en-US" smtClean="0"/>
-              <a:t>7/16/18</a:t>
+              <a:t>12/2/18</a:t>
             </a:fld>
             <a:endParaRPr lang="en-US"/>
           </a:p>
@@ -2064,7 +2070,7 @@
           <a:p>
             <a:fld id="{ECA0A8ED-0D26-E041-96FA-13D92C995134}" type="datetimeFigureOut">
               <a:rPr lang="en-US" smtClean="0"/>
-              <a:t>7/16/18</a:t>
+              <a:t>12/2/18</a:t>
             </a:fld>
             <a:endParaRPr lang="en-US"/>
           </a:p>
@@ -2375,7 +2381,7 @@
           <a:p>
             <a:fld id="{ECA0A8ED-0D26-E041-96FA-13D92C995134}" type="datetimeFigureOut">
               <a:rPr lang="en-US" smtClean="0"/>
-              <a:t>7/16/18</a:t>
+              <a:t>12/2/18</a:t>
             </a:fld>
             <a:endParaRPr lang="en-US"/>
           </a:p>
@@ -2663,7 +2669,7 @@
           <a:p>
             <a:fld id="{ECA0A8ED-0D26-E041-96FA-13D92C995134}" type="datetimeFigureOut">
               <a:rPr lang="en-US" smtClean="0"/>
-              <a:t>7/16/18</a:t>
+              <a:t>12/2/18</a:t>
             </a:fld>
             <a:endParaRPr lang="en-US"/>
           </a:p>
@@ -2904,7 +2910,7 @@
           <a:p>
             <a:fld id="{ECA0A8ED-0D26-E041-96FA-13D92C995134}" type="datetimeFigureOut">
               <a:rPr lang="en-US" smtClean="0"/>
-              <a:t>7/16/18</a:t>
+              <a:t>12/2/18</a:t>
             </a:fld>
             <a:endParaRPr lang="en-US"/>
           </a:p>
@@ -3706,6 +3712,776 @@
 </p:sld>
 </file>
 
+<file path=ppt/slides/slide2.xml><?xml version="1.0" encoding="utf-8"?>
+<p:sld xmlns:a="http://schemas.openxmlformats.org/drawingml/2006/main" xmlns:r="http://schemas.openxmlformats.org/officeDocument/2006/relationships" xmlns:p="http://schemas.openxmlformats.org/presentationml/2006/main">
+  <p:cSld>
+    <p:spTree>
+      <p:nvGrpSpPr>
+        <p:cNvPr id="1" name=""/>
+        <p:cNvGrpSpPr/>
+        <p:nvPr/>
+      </p:nvGrpSpPr>
+      <p:grpSpPr>
+        <a:xfrm>
+          <a:off x="0" y="0"/>
+          <a:ext cx="0" cy="0"/>
+          <a:chOff x="0" y="0"/>
+          <a:chExt cx="0" cy="0"/>
+        </a:xfrm>
+      </p:grpSpPr>
+      <p:cxnSp>
+        <p:nvCxnSpPr>
+          <p:cNvPr id="3" name="Straight Connector 2">
+            <a:extLst>
+              <a:ext uri="{FF2B5EF4-FFF2-40B4-BE49-F238E27FC236}">
+                <a16:creationId xmlns:a16="http://schemas.microsoft.com/office/drawing/2014/main" id="{A549219C-E395-4945-B88A-E842E43FD700}"/>
+              </a:ext>
+            </a:extLst>
+          </p:cNvPr>
+          <p:cNvCxnSpPr/>
+          <p:nvPr/>
+        </p:nvCxnSpPr>
+        <p:spPr>
+          <a:xfrm>
+            <a:off x="4066416" y="2394348"/>
+            <a:ext cx="0" cy="3056041"/>
+          </a:xfrm>
+          <a:prstGeom prst="line">
+            <a:avLst/>
+          </a:prstGeom>
+          <a:ln>
+            <a:solidFill>
+              <a:schemeClr val="bg1">
+                <a:lumMod val="75000"/>
+              </a:schemeClr>
+            </a:solidFill>
+          </a:ln>
+        </p:spPr>
+        <p:style>
+          <a:lnRef idx="1">
+            <a:schemeClr val="accent1"/>
+          </a:lnRef>
+          <a:fillRef idx="0">
+            <a:schemeClr val="accent1"/>
+          </a:fillRef>
+          <a:effectRef idx="0">
+            <a:schemeClr val="accent1"/>
+          </a:effectRef>
+          <a:fontRef idx="minor">
+            <a:schemeClr val="tx1"/>
+          </a:fontRef>
+        </p:style>
+      </p:cxnSp>
+      <p:cxnSp>
+        <p:nvCxnSpPr>
+          <p:cNvPr id="4" name="Straight Connector 3">
+            <a:extLst>
+              <a:ext uri="{FF2B5EF4-FFF2-40B4-BE49-F238E27FC236}">
+                <a16:creationId xmlns:a16="http://schemas.microsoft.com/office/drawing/2014/main" id="{CE082515-2BFB-D84D-BA97-14A4CE0DB2A7}"/>
+              </a:ext>
+            </a:extLst>
+          </p:cNvPr>
+          <p:cNvCxnSpPr/>
+          <p:nvPr/>
+        </p:nvCxnSpPr>
+        <p:spPr>
+          <a:xfrm>
+            <a:off x="4477899" y="2394348"/>
+            <a:ext cx="0" cy="3056041"/>
+          </a:xfrm>
+          <a:prstGeom prst="line">
+            <a:avLst/>
+          </a:prstGeom>
+          <a:ln>
+            <a:solidFill>
+              <a:schemeClr val="bg1">
+                <a:lumMod val="75000"/>
+              </a:schemeClr>
+            </a:solidFill>
+          </a:ln>
+        </p:spPr>
+        <p:style>
+          <a:lnRef idx="1">
+            <a:schemeClr val="accent1"/>
+          </a:lnRef>
+          <a:fillRef idx="0">
+            <a:schemeClr val="accent1"/>
+          </a:fillRef>
+          <a:effectRef idx="0">
+            <a:schemeClr val="accent1"/>
+          </a:effectRef>
+          <a:fontRef idx="minor">
+            <a:schemeClr val="tx1"/>
+          </a:fontRef>
+        </p:style>
+      </p:cxnSp>
+      <p:cxnSp>
+        <p:nvCxnSpPr>
+          <p:cNvPr id="6" name="Straight Connector 5">
+            <a:extLst>
+              <a:ext uri="{FF2B5EF4-FFF2-40B4-BE49-F238E27FC236}">
+                <a16:creationId xmlns:a16="http://schemas.microsoft.com/office/drawing/2014/main" id="{C99BFF5A-3850-FA4B-8305-49ECD926E719}"/>
+              </a:ext>
+            </a:extLst>
+          </p:cNvPr>
+          <p:cNvCxnSpPr/>
+          <p:nvPr/>
+        </p:nvCxnSpPr>
+        <p:spPr>
+          <a:xfrm>
+            <a:off x="5013329" y="2394348"/>
+            <a:ext cx="0" cy="3056041"/>
+          </a:xfrm>
+          <a:prstGeom prst="line">
+            <a:avLst/>
+          </a:prstGeom>
+          <a:ln>
+            <a:solidFill>
+              <a:schemeClr val="bg1">
+                <a:lumMod val="75000"/>
+              </a:schemeClr>
+            </a:solidFill>
+          </a:ln>
+        </p:spPr>
+        <p:style>
+          <a:lnRef idx="1">
+            <a:schemeClr val="accent1"/>
+          </a:lnRef>
+          <a:fillRef idx="0">
+            <a:schemeClr val="accent1"/>
+          </a:fillRef>
+          <a:effectRef idx="0">
+            <a:schemeClr val="accent1"/>
+          </a:effectRef>
+          <a:fontRef idx="minor">
+            <a:schemeClr val="tx1"/>
+          </a:fontRef>
+        </p:style>
+      </p:cxnSp>
+      <p:cxnSp>
+        <p:nvCxnSpPr>
+          <p:cNvPr id="7" name="Straight Connector 6">
+            <a:extLst>
+              <a:ext uri="{FF2B5EF4-FFF2-40B4-BE49-F238E27FC236}">
+                <a16:creationId xmlns:a16="http://schemas.microsoft.com/office/drawing/2014/main" id="{F7278CDF-CE27-9A4E-926E-D420F017C3D5}"/>
+              </a:ext>
+            </a:extLst>
+          </p:cNvPr>
+          <p:cNvCxnSpPr/>
+          <p:nvPr/>
+        </p:nvCxnSpPr>
+        <p:spPr>
+          <a:xfrm>
+            <a:off x="5417022" y="2394348"/>
+            <a:ext cx="0" cy="3056041"/>
+          </a:xfrm>
+          <a:prstGeom prst="line">
+            <a:avLst/>
+          </a:prstGeom>
+          <a:ln>
+            <a:solidFill>
+              <a:schemeClr val="bg1">
+                <a:lumMod val="75000"/>
+              </a:schemeClr>
+            </a:solidFill>
+          </a:ln>
+        </p:spPr>
+        <p:style>
+          <a:lnRef idx="1">
+            <a:schemeClr val="accent1"/>
+          </a:lnRef>
+          <a:fillRef idx="0">
+            <a:schemeClr val="accent1"/>
+          </a:fillRef>
+          <a:effectRef idx="0">
+            <a:schemeClr val="accent1"/>
+          </a:effectRef>
+          <a:fontRef idx="minor">
+            <a:schemeClr val="tx1"/>
+          </a:fontRef>
+        </p:style>
+      </p:cxnSp>
+      <p:cxnSp>
+        <p:nvCxnSpPr>
+          <p:cNvPr id="8" name="Straight Connector 7">
+            <a:extLst>
+              <a:ext uri="{FF2B5EF4-FFF2-40B4-BE49-F238E27FC236}">
+                <a16:creationId xmlns:a16="http://schemas.microsoft.com/office/drawing/2014/main" id="{FBEA3586-2459-2B4A-94AF-815DFF534F10}"/>
+              </a:ext>
+            </a:extLst>
+          </p:cNvPr>
+          <p:cNvCxnSpPr/>
+          <p:nvPr/>
+        </p:nvCxnSpPr>
+        <p:spPr>
+          <a:xfrm>
+            <a:off x="5958553" y="2394348"/>
+            <a:ext cx="0" cy="3056041"/>
+          </a:xfrm>
+          <a:prstGeom prst="line">
+            <a:avLst/>
+          </a:prstGeom>
+          <a:ln>
+            <a:solidFill>
+              <a:schemeClr val="bg1">
+                <a:lumMod val="75000"/>
+              </a:schemeClr>
+            </a:solidFill>
+          </a:ln>
+        </p:spPr>
+        <p:style>
+          <a:lnRef idx="1">
+            <a:schemeClr val="accent1"/>
+          </a:lnRef>
+          <a:fillRef idx="0">
+            <a:schemeClr val="accent1"/>
+          </a:fillRef>
+          <a:effectRef idx="0">
+            <a:schemeClr val="accent1"/>
+          </a:effectRef>
+          <a:fontRef idx="minor">
+            <a:schemeClr val="tx1"/>
+          </a:fontRef>
+        </p:style>
+      </p:cxnSp>
+      <p:cxnSp>
+        <p:nvCxnSpPr>
+          <p:cNvPr id="9" name="Straight Connector 8">
+            <a:extLst>
+              <a:ext uri="{FF2B5EF4-FFF2-40B4-BE49-F238E27FC236}">
+                <a16:creationId xmlns:a16="http://schemas.microsoft.com/office/drawing/2014/main" id="{63592C56-A6A9-404E-B645-EE13DA8A2C99}"/>
+              </a:ext>
+            </a:extLst>
+          </p:cNvPr>
+          <p:cNvCxnSpPr/>
+          <p:nvPr/>
+        </p:nvCxnSpPr>
+        <p:spPr>
+          <a:xfrm>
+            <a:off x="6224112" y="2394348"/>
+            <a:ext cx="0" cy="3056041"/>
+          </a:xfrm>
+          <a:prstGeom prst="line">
+            <a:avLst/>
+          </a:prstGeom>
+          <a:ln>
+            <a:solidFill>
+              <a:schemeClr val="bg1">
+                <a:lumMod val="75000"/>
+              </a:schemeClr>
+            </a:solidFill>
+          </a:ln>
+        </p:spPr>
+        <p:style>
+          <a:lnRef idx="1">
+            <a:schemeClr val="accent1"/>
+          </a:lnRef>
+          <a:fillRef idx="0">
+            <a:schemeClr val="accent1"/>
+          </a:fillRef>
+          <a:effectRef idx="0">
+            <a:schemeClr val="accent1"/>
+          </a:effectRef>
+          <a:fontRef idx="minor">
+            <a:schemeClr val="tx1"/>
+          </a:fontRef>
+        </p:style>
+      </p:cxnSp>
+      <p:cxnSp>
+        <p:nvCxnSpPr>
+          <p:cNvPr id="10" name="Straight Connector 9">
+            <a:extLst>
+              <a:ext uri="{FF2B5EF4-FFF2-40B4-BE49-F238E27FC236}">
+                <a16:creationId xmlns:a16="http://schemas.microsoft.com/office/drawing/2014/main" id="{92B40FFA-282B-9A4A-8B3A-074CE0BBC5B9}"/>
+              </a:ext>
+            </a:extLst>
+          </p:cNvPr>
+          <p:cNvCxnSpPr/>
+          <p:nvPr/>
+        </p:nvCxnSpPr>
+        <p:spPr>
+          <a:xfrm>
+            <a:off x="7169568" y="2394348"/>
+            <a:ext cx="0" cy="3056041"/>
+          </a:xfrm>
+          <a:prstGeom prst="line">
+            <a:avLst/>
+          </a:prstGeom>
+          <a:ln>
+            <a:solidFill>
+              <a:schemeClr val="bg1">
+                <a:lumMod val="75000"/>
+              </a:schemeClr>
+            </a:solidFill>
+          </a:ln>
+        </p:spPr>
+        <p:style>
+          <a:lnRef idx="1">
+            <a:schemeClr val="accent1"/>
+          </a:lnRef>
+          <a:fillRef idx="0">
+            <a:schemeClr val="accent1"/>
+          </a:fillRef>
+          <a:effectRef idx="0">
+            <a:schemeClr val="accent1"/>
+          </a:effectRef>
+          <a:fontRef idx="minor">
+            <a:schemeClr val="tx1"/>
+          </a:fontRef>
+        </p:style>
+      </p:cxnSp>
+      <p:cxnSp>
+        <p:nvCxnSpPr>
+          <p:cNvPr id="11" name="Straight Connector 10">
+            <a:extLst>
+              <a:ext uri="{FF2B5EF4-FFF2-40B4-BE49-F238E27FC236}">
+                <a16:creationId xmlns:a16="http://schemas.microsoft.com/office/drawing/2014/main" id="{D1DDCF42-2147-D04A-B7A8-A2CF5E6366C2}"/>
+              </a:ext>
+            </a:extLst>
+          </p:cNvPr>
+          <p:cNvCxnSpPr/>
+          <p:nvPr/>
+        </p:nvCxnSpPr>
+        <p:spPr>
+          <a:xfrm>
+            <a:off x="7973952" y="2394312"/>
+            <a:ext cx="0" cy="3056041"/>
+          </a:xfrm>
+          <a:prstGeom prst="line">
+            <a:avLst/>
+          </a:prstGeom>
+          <a:ln>
+            <a:solidFill>
+              <a:schemeClr val="bg1">
+                <a:lumMod val="75000"/>
+              </a:schemeClr>
+            </a:solidFill>
+          </a:ln>
+        </p:spPr>
+        <p:style>
+          <a:lnRef idx="1">
+            <a:schemeClr val="accent1"/>
+          </a:lnRef>
+          <a:fillRef idx="0">
+            <a:schemeClr val="accent1"/>
+          </a:fillRef>
+          <a:effectRef idx="0">
+            <a:schemeClr val="accent1"/>
+          </a:effectRef>
+          <a:fontRef idx="minor">
+            <a:schemeClr val="tx1"/>
+          </a:fontRef>
+        </p:style>
+      </p:cxnSp>
+      <p:sp>
+        <p:nvSpPr>
+          <p:cNvPr id="12" name="TextBox 11">
+            <a:extLst>
+              <a:ext uri="{FF2B5EF4-FFF2-40B4-BE49-F238E27FC236}">
+                <a16:creationId xmlns:a16="http://schemas.microsoft.com/office/drawing/2014/main" id="{491FBBBC-DC62-984F-86A0-B7ECD3A1F013}"/>
+              </a:ext>
+            </a:extLst>
+          </p:cNvPr>
+          <p:cNvSpPr txBox="1"/>
+          <p:nvPr/>
+        </p:nvSpPr>
+        <p:spPr>
+          <a:xfrm>
+            <a:off x="3471475" y="2199529"/>
+            <a:ext cx="542136" cy="276999"/>
+          </a:xfrm>
+          <a:prstGeom prst="rect">
+            <a:avLst/>
+          </a:prstGeom>
+          <a:noFill/>
+        </p:spPr>
+        <p:txBody>
+          <a:bodyPr wrap="none" rtlCol="0">
+            <a:spAutoFit/>
+          </a:bodyPr>
+          <a:lstStyle/>
+          <a:p>
+            <a:r>
+              <a:rPr lang="en-US" altLang="zh-CN" sz="1200" dirty="0">
+                <a:latin typeface="Arial" panose="020B0604020202020204" pitchFamily="34" charset="0"/>
+                <a:cs typeface="Arial" panose="020B0604020202020204" pitchFamily="34" charset="0"/>
+              </a:rPr>
+              <a:t>413</a:t>
+            </a:r>
+            <a:r>
+              <a:rPr lang="en-CA" altLang="zh-CN" sz="1200" dirty="0">
+                <a:latin typeface="Arial" panose="020B0604020202020204" pitchFamily="34" charset="0"/>
+                <a:ea typeface="Georgia" charset="0"/>
+                <a:cs typeface="Arial" panose="020B0604020202020204" pitchFamily="34" charset="0"/>
+              </a:rPr>
+              <a:t>K</a:t>
+            </a:r>
+            <a:endParaRPr lang="en-US" sz="1200" dirty="0">
+              <a:latin typeface="Arial" panose="020B0604020202020204" pitchFamily="34" charset="0"/>
+              <a:cs typeface="Arial" panose="020B0604020202020204" pitchFamily="34" charset="0"/>
+            </a:endParaRPr>
+          </a:p>
+        </p:txBody>
+      </p:sp>
+      <p:sp>
+        <p:nvSpPr>
+          <p:cNvPr id="13" name="TextBox 12">
+            <a:extLst>
+              <a:ext uri="{FF2B5EF4-FFF2-40B4-BE49-F238E27FC236}">
+                <a16:creationId xmlns:a16="http://schemas.microsoft.com/office/drawing/2014/main" id="{208325D8-31EE-A64F-AE7C-4165C8C88232}"/>
+              </a:ext>
+            </a:extLst>
+          </p:cNvPr>
+          <p:cNvSpPr txBox="1"/>
+          <p:nvPr/>
+        </p:nvSpPr>
+        <p:spPr>
+          <a:xfrm>
+            <a:off x="4001333" y="2428252"/>
+            <a:ext cx="550151" cy="276999"/>
+          </a:xfrm>
+          <a:prstGeom prst="rect">
+            <a:avLst/>
+          </a:prstGeom>
+          <a:noFill/>
+        </p:spPr>
+        <p:txBody>
+          <a:bodyPr wrap="none" rtlCol="0">
+            <a:spAutoFit/>
+          </a:bodyPr>
+          <a:lstStyle/>
+          <a:p>
+            <a:r>
+              <a:rPr lang="en-US" altLang="zh-CN" sz="1200" dirty="0">
+                <a:latin typeface="Arial" panose="020B0604020202020204" pitchFamily="34" charset="0"/>
+                <a:cs typeface="Arial" panose="020B0604020202020204" pitchFamily="34" charset="0"/>
+              </a:rPr>
+              <a:t>423</a:t>
+            </a:r>
+            <a:r>
+              <a:rPr lang="en-CA" altLang="zh-CN" sz="1200" dirty="0">
+                <a:latin typeface="Arial" panose="020B0604020202020204" pitchFamily="34" charset="0"/>
+                <a:ea typeface="Georgia" charset="0"/>
+                <a:cs typeface="Arial" panose="020B0604020202020204" pitchFamily="34" charset="0"/>
+              </a:rPr>
+              <a:t>K</a:t>
+            </a:r>
+            <a:endParaRPr lang="en-US" sz="1200" dirty="0">
+              <a:latin typeface="Arial" panose="020B0604020202020204" pitchFamily="34" charset="0"/>
+              <a:cs typeface="Arial" panose="020B0604020202020204" pitchFamily="34" charset="0"/>
+            </a:endParaRPr>
+          </a:p>
+        </p:txBody>
+      </p:sp>
+      <p:sp>
+        <p:nvSpPr>
+          <p:cNvPr id="14" name="TextBox 13">
+            <a:extLst>
+              <a:ext uri="{FF2B5EF4-FFF2-40B4-BE49-F238E27FC236}">
+                <a16:creationId xmlns:a16="http://schemas.microsoft.com/office/drawing/2014/main" id="{FE16E421-EC49-F04B-8AC1-94EDEBFB3A9B}"/>
+              </a:ext>
+            </a:extLst>
+          </p:cNvPr>
+          <p:cNvSpPr txBox="1"/>
+          <p:nvPr/>
+        </p:nvSpPr>
+        <p:spPr>
+          <a:xfrm>
+            <a:off x="4487976" y="2201372"/>
+            <a:ext cx="548548" cy="276999"/>
+          </a:xfrm>
+          <a:prstGeom prst="rect">
+            <a:avLst/>
+          </a:prstGeom>
+          <a:noFill/>
+        </p:spPr>
+        <p:txBody>
+          <a:bodyPr wrap="none" rtlCol="0">
+            <a:spAutoFit/>
+          </a:bodyPr>
+          <a:lstStyle/>
+          <a:p>
+            <a:r>
+              <a:rPr lang="en-US" sz="1200" dirty="0">
+                <a:latin typeface="Arial" panose="020B0604020202020204" pitchFamily="34" charset="0"/>
+                <a:cs typeface="Arial" panose="020B0604020202020204" pitchFamily="34" charset="0"/>
+              </a:rPr>
+              <a:t>433K</a:t>
+            </a:r>
+          </a:p>
+        </p:txBody>
+      </p:sp>
+      <p:sp>
+        <p:nvSpPr>
+          <p:cNvPr id="15" name="TextBox 14">
+            <a:extLst>
+              <a:ext uri="{FF2B5EF4-FFF2-40B4-BE49-F238E27FC236}">
+                <a16:creationId xmlns:a16="http://schemas.microsoft.com/office/drawing/2014/main" id="{1E60C720-026E-504E-9AA1-C666195ED32F}"/>
+              </a:ext>
+            </a:extLst>
+          </p:cNvPr>
+          <p:cNvSpPr txBox="1"/>
+          <p:nvPr/>
+        </p:nvSpPr>
+        <p:spPr>
+          <a:xfrm>
+            <a:off x="4955001" y="2427495"/>
+            <a:ext cx="550151" cy="276999"/>
+          </a:xfrm>
+          <a:prstGeom prst="rect">
+            <a:avLst/>
+          </a:prstGeom>
+          <a:noFill/>
+        </p:spPr>
+        <p:txBody>
+          <a:bodyPr wrap="none" rtlCol="0">
+            <a:spAutoFit/>
+          </a:bodyPr>
+          <a:lstStyle/>
+          <a:p>
+            <a:r>
+              <a:rPr lang="en-US" sz="1200" dirty="0">
+                <a:latin typeface="Arial" panose="020B0604020202020204" pitchFamily="34" charset="0"/>
+                <a:cs typeface="Arial" panose="020B0604020202020204" pitchFamily="34" charset="0"/>
+              </a:rPr>
+              <a:t>443K</a:t>
+            </a:r>
+          </a:p>
+        </p:txBody>
+      </p:sp>
+      <p:sp>
+        <p:nvSpPr>
+          <p:cNvPr id="16" name="TextBox 15">
+            <a:extLst>
+              <a:ext uri="{FF2B5EF4-FFF2-40B4-BE49-F238E27FC236}">
+                <a16:creationId xmlns:a16="http://schemas.microsoft.com/office/drawing/2014/main" id="{38A0CEDC-39DB-0142-BA6D-579B6B9AF2D1}"/>
+              </a:ext>
+            </a:extLst>
+          </p:cNvPr>
+          <p:cNvSpPr txBox="1"/>
+          <p:nvPr/>
+        </p:nvSpPr>
+        <p:spPr>
+          <a:xfrm>
+            <a:off x="5443142" y="2199528"/>
+            <a:ext cx="545342" cy="276999"/>
+          </a:xfrm>
+          <a:prstGeom prst="rect">
+            <a:avLst/>
+          </a:prstGeom>
+          <a:noFill/>
+        </p:spPr>
+        <p:txBody>
+          <a:bodyPr wrap="none" rtlCol="0">
+            <a:spAutoFit/>
+          </a:bodyPr>
+          <a:lstStyle/>
+          <a:p>
+            <a:r>
+              <a:rPr lang="en-US" sz="1200" dirty="0">
+                <a:latin typeface="Arial" panose="020B0604020202020204" pitchFamily="34" charset="0"/>
+                <a:cs typeface="Arial" panose="020B0604020202020204" pitchFamily="34" charset="0"/>
+              </a:rPr>
+              <a:t>453K</a:t>
+            </a:r>
+          </a:p>
+        </p:txBody>
+      </p:sp>
+      <p:sp>
+        <p:nvSpPr>
+          <p:cNvPr id="17" name="TextBox 16">
+            <a:extLst>
+              <a:ext uri="{FF2B5EF4-FFF2-40B4-BE49-F238E27FC236}">
+                <a16:creationId xmlns:a16="http://schemas.microsoft.com/office/drawing/2014/main" id="{67EA1A94-EAA8-8144-9A46-F6DEC1015841}"/>
+              </a:ext>
+            </a:extLst>
+          </p:cNvPr>
+          <p:cNvSpPr txBox="1"/>
+          <p:nvPr/>
+        </p:nvSpPr>
+        <p:spPr>
+          <a:xfrm>
+            <a:off x="5822628" y="2427494"/>
+            <a:ext cx="550151" cy="276999"/>
+          </a:xfrm>
+          <a:prstGeom prst="rect">
+            <a:avLst/>
+          </a:prstGeom>
+          <a:noFill/>
+        </p:spPr>
+        <p:txBody>
+          <a:bodyPr wrap="none" rtlCol="0">
+            <a:spAutoFit/>
+          </a:bodyPr>
+          <a:lstStyle/>
+          <a:p>
+            <a:r>
+              <a:rPr lang="en-US" sz="1200" dirty="0">
+                <a:latin typeface="Arial" panose="020B0604020202020204" pitchFamily="34" charset="0"/>
+                <a:cs typeface="Arial" panose="020B0604020202020204" pitchFamily="34" charset="0"/>
+              </a:rPr>
+              <a:t>463K</a:t>
+            </a:r>
+          </a:p>
+        </p:txBody>
+      </p:sp>
+      <p:sp>
+        <p:nvSpPr>
+          <p:cNvPr id="18" name="TextBox 17">
+            <a:extLst>
+              <a:ext uri="{FF2B5EF4-FFF2-40B4-BE49-F238E27FC236}">
+                <a16:creationId xmlns:a16="http://schemas.microsoft.com/office/drawing/2014/main" id="{C64D587B-91BB-8140-9392-F87FE22639DE}"/>
+              </a:ext>
+            </a:extLst>
+          </p:cNvPr>
+          <p:cNvSpPr txBox="1"/>
+          <p:nvPr/>
+        </p:nvSpPr>
+        <p:spPr>
+          <a:xfrm>
+            <a:off x="6400646" y="2199529"/>
+            <a:ext cx="540533" cy="276999"/>
+          </a:xfrm>
+          <a:prstGeom prst="rect">
+            <a:avLst/>
+          </a:prstGeom>
+          <a:noFill/>
+        </p:spPr>
+        <p:txBody>
+          <a:bodyPr wrap="none" rtlCol="0">
+            <a:spAutoFit/>
+          </a:bodyPr>
+          <a:lstStyle/>
+          <a:p>
+            <a:r>
+              <a:rPr lang="en-US" sz="1200" dirty="0">
+                <a:latin typeface="Arial" panose="020B0604020202020204" pitchFamily="34" charset="0"/>
+                <a:cs typeface="Arial" panose="020B0604020202020204" pitchFamily="34" charset="0"/>
+              </a:rPr>
+              <a:t>473K</a:t>
+            </a:r>
+          </a:p>
+        </p:txBody>
+      </p:sp>
+      <p:sp>
+        <p:nvSpPr>
+          <p:cNvPr id="19" name="TextBox 18">
+            <a:extLst>
+              <a:ext uri="{FF2B5EF4-FFF2-40B4-BE49-F238E27FC236}">
+                <a16:creationId xmlns:a16="http://schemas.microsoft.com/office/drawing/2014/main" id="{7D7AF0DF-22CC-E84A-97CA-D5FE74BDCCC2}"/>
+              </a:ext>
+            </a:extLst>
+          </p:cNvPr>
+          <p:cNvSpPr txBox="1"/>
+          <p:nvPr/>
+        </p:nvSpPr>
+        <p:spPr>
+          <a:xfrm>
+            <a:off x="7307399" y="2424822"/>
+            <a:ext cx="554960" cy="276999"/>
+          </a:xfrm>
+          <a:prstGeom prst="rect">
+            <a:avLst/>
+          </a:prstGeom>
+          <a:noFill/>
+        </p:spPr>
+        <p:txBody>
+          <a:bodyPr wrap="none" rtlCol="0">
+            <a:spAutoFit/>
+          </a:bodyPr>
+          <a:lstStyle/>
+          <a:p>
+            <a:r>
+              <a:rPr lang="en-US" sz="1200" dirty="0">
+                <a:latin typeface="Arial" panose="020B0604020202020204" pitchFamily="34" charset="0"/>
+                <a:cs typeface="Arial" panose="020B0604020202020204" pitchFamily="34" charset="0"/>
+              </a:rPr>
+              <a:t>483K</a:t>
+            </a:r>
+          </a:p>
+        </p:txBody>
+      </p:sp>
+      <p:sp>
+        <p:nvSpPr>
+          <p:cNvPr id="20" name="TextBox 19">
+            <a:extLst>
+              <a:ext uri="{FF2B5EF4-FFF2-40B4-BE49-F238E27FC236}">
+                <a16:creationId xmlns:a16="http://schemas.microsoft.com/office/drawing/2014/main" id="{7819500D-9334-F545-8A7E-14E606BA2493}"/>
+              </a:ext>
+            </a:extLst>
+          </p:cNvPr>
+          <p:cNvSpPr txBox="1"/>
+          <p:nvPr/>
+        </p:nvSpPr>
+        <p:spPr>
+          <a:xfrm>
+            <a:off x="8008574" y="2199528"/>
+            <a:ext cx="550151" cy="276999"/>
+          </a:xfrm>
+          <a:prstGeom prst="rect">
+            <a:avLst/>
+          </a:prstGeom>
+          <a:noFill/>
+        </p:spPr>
+        <p:txBody>
+          <a:bodyPr wrap="none" rtlCol="0">
+            <a:spAutoFit/>
+          </a:bodyPr>
+          <a:lstStyle/>
+          <a:p>
+            <a:r>
+              <a:rPr lang="en-US" sz="1200" dirty="0">
+                <a:latin typeface="Arial" panose="020B0604020202020204" pitchFamily="34" charset="0"/>
+                <a:cs typeface="Arial" panose="020B0604020202020204" pitchFamily="34" charset="0"/>
+              </a:rPr>
+              <a:t>493K</a:t>
+            </a:r>
+          </a:p>
+        </p:txBody>
+      </p:sp>
+      <p:pic>
+        <p:nvPicPr>
+          <p:cNvPr id="5" name="Picture 4">
+            <a:extLst>
+              <a:ext uri="{FF2B5EF4-FFF2-40B4-BE49-F238E27FC236}">
+                <a16:creationId xmlns:a16="http://schemas.microsoft.com/office/drawing/2014/main" id="{95EDC0BA-1D7F-404C-A293-E9B4DA241CD6}"/>
+              </a:ext>
+            </a:extLst>
+          </p:cNvPr>
+          <p:cNvPicPr>
+            <a:picLocks noChangeAspect="1"/>
+          </p:cNvPicPr>
+          <p:nvPr/>
+        </p:nvPicPr>
+        <p:blipFill>
+          <a:blip r:embed="rId2"/>
+          <a:stretch>
+            <a:fillRect/>
+          </a:stretch>
+        </p:blipFill>
+        <p:spPr>
+          <a:xfrm>
+            <a:off x="3020291" y="1413164"/>
+            <a:ext cx="7023166" cy="4467514"/>
+          </a:xfrm>
+          <a:prstGeom prst="rect">
+            <a:avLst/>
+          </a:prstGeom>
+        </p:spPr>
+      </p:pic>
+    </p:spTree>
+    <p:extLst>
+      <p:ext uri="{BB962C8B-B14F-4D97-AF65-F5344CB8AC3E}">
+        <p14:creationId xmlns:p14="http://schemas.microsoft.com/office/powerpoint/2010/main" val="3915938140"/>
+      </p:ext>
+    </p:extLst>
+  </p:cSld>
+  <p:clrMapOvr>
+    <a:masterClrMapping/>
+  </p:clrMapOvr>
+</p:sld>
+</file>
+
 <file path=ppt/theme/theme1.xml><?xml version="1.0" encoding="utf-8"?>
 <a:theme xmlns:a="http://schemas.openxmlformats.org/drawingml/2006/main" name="Office Theme">
   <a:themeElements>
